--- a/CF-Project3.pptx
+++ b/CF-Project3.pptx
@@ -6480,6 +6480,23 @@
             </a:r>
             <a:endParaRPr/>
           </a:p>
+          <a:p>
+            <a:pPr indent="-342900" lvl="0" marL="457200" rtl="0" algn="l">
+              <a:spcBef>
+                <a:spcPts val="0"/>
+              </a:spcBef>
+              <a:spcAft>
+                <a:spcPts val="0"/>
+              </a:spcAft>
+              <a:buSzPts val="1800"/>
+              <a:buChar char="●"/>
+            </a:pPr>
+            <a:r>
+              <a:rPr lang="en"/>
+              <a:t>Python packages: PyPortfolioOpt, Streamlit</a:t>
+            </a:r>
+            <a:endParaRPr/>
+          </a:p>
         </p:txBody>
       </p:sp>
     </p:spTree>
